--- a/Phase 4/Phase 4  end project -food order project deploy in aws with docker.pptx
+++ b/Phase 4/Phase 4  end project -food order project deploy in aws with docker.pptx
@@ -317,7 +317,7 @@
           <a:p>
             <a:fld id="{42386099-759E-47AF-B5BA-C91AC6CEC5A3}" type="datetimeFigureOut">
               <a:rPr lang="en-US" smtClean="0"/>
-              <a:t>2/21/2023</a:t>
+              <a:t>2/28/2023</a:t>
             </a:fld>
             <a:endParaRPr lang="en-US"/>
           </a:p>
@@ -487,7 +487,7 @@
           <a:p>
             <a:fld id="{42386099-759E-47AF-B5BA-C91AC6CEC5A3}" type="datetimeFigureOut">
               <a:rPr lang="en-US" smtClean="0"/>
-              <a:t>2/21/2023</a:t>
+              <a:t>2/28/2023</a:t>
             </a:fld>
             <a:endParaRPr lang="en-US"/>
           </a:p>
@@ -667,7 +667,7 @@
           <a:p>
             <a:fld id="{42386099-759E-47AF-B5BA-C91AC6CEC5A3}" type="datetimeFigureOut">
               <a:rPr lang="en-US" smtClean="0"/>
-              <a:t>2/21/2023</a:t>
+              <a:t>2/28/2023</a:t>
             </a:fld>
             <a:endParaRPr lang="en-US"/>
           </a:p>
@@ -837,7 +837,7 @@
           <a:p>
             <a:fld id="{42386099-759E-47AF-B5BA-C91AC6CEC5A3}" type="datetimeFigureOut">
               <a:rPr lang="en-US" smtClean="0"/>
-              <a:t>2/21/2023</a:t>
+              <a:t>2/28/2023</a:t>
             </a:fld>
             <a:endParaRPr lang="en-US"/>
           </a:p>
@@ -1083,7 +1083,7 @@
           <a:p>
             <a:fld id="{42386099-759E-47AF-B5BA-C91AC6CEC5A3}" type="datetimeFigureOut">
               <a:rPr lang="en-US" smtClean="0"/>
-              <a:t>2/21/2023</a:t>
+              <a:t>2/28/2023</a:t>
             </a:fld>
             <a:endParaRPr lang="en-US"/>
           </a:p>
@@ -1315,7 +1315,7 @@
           <a:p>
             <a:fld id="{42386099-759E-47AF-B5BA-C91AC6CEC5A3}" type="datetimeFigureOut">
               <a:rPr lang="en-US" smtClean="0"/>
-              <a:t>2/21/2023</a:t>
+              <a:t>2/28/2023</a:t>
             </a:fld>
             <a:endParaRPr lang="en-US"/>
           </a:p>
@@ -1682,7 +1682,7 @@
           <a:p>
             <a:fld id="{42386099-759E-47AF-B5BA-C91AC6CEC5A3}" type="datetimeFigureOut">
               <a:rPr lang="en-US" smtClean="0"/>
-              <a:t>2/21/2023</a:t>
+              <a:t>2/28/2023</a:t>
             </a:fld>
             <a:endParaRPr lang="en-US"/>
           </a:p>
@@ -1800,7 +1800,7 @@
           <a:p>
             <a:fld id="{42386099-759E-47AF-B5BA-C91AC6CEC5A3}" type="datetimeFigureOut">
               <a:rPr lang="en-US" smtClean="0"/>
-              <a:t>2/21/2023</a:t>
+              <a:t>2/28/2023</a:t>
             </a:fld>
             <a:endParaRPr lang="en-US"/>
           </a:p>
@@ -1895,7 +1895,7 @@
           <a:p>
             <a:fld id="{42386099-759E-47AF-B5BA-C91AC6CEC5A3}" type="datetimeFigureOut">
               <a:rPr lang="en-US" smtClean="0"/>
-              <a:t>2/21/2023</a:t>
+              <a:t>2/28/2023</a:t>
             </a:fld>
             <a:endParaRPr lang="en-US"/>
           </a:p>
@@ -2172,7 +2172,7 @@
           <a:p>
             <a:fld id="{42386099-759E-47AF-B5BA-C91AC6CEC5A3}" type="datetimeFigureOut">
               <a:rPr lang="en-US" smtClean="0"/>
-              <a:t>2/21/2023</a:t>
+              <a:t>2/28/2023</a:t>
             </a:fld>
             <a:endParaRPr lang="en-US"/>
           </a:p>
@@ -2425,7 +2425,7 @@
           <a:p>
             <a:fld id="{42386099-759E-47AF-B5BA-C91AC6CEC5A3}" type="datetimeFigureOut">
               <a:rPr lang="en-US" smtClean="0"/>
-              <a:t>2/21/2023</a:t>
+              <a:t>2/28/2023</a:t>
             </a:fld>
             <a:endParaRPr lang="en-US"/>
           </a:p>
@@ -2638,7 +2638,7 @@
           <a:p>
             <a:fld id="{42386099-759E-47AF-B5BA-C91AC6CEC5A3}" type="datetimeFigureOut">
               <a:rPr lang="en-US" smtClean="0"/>
-              <a:t>2/21/2023</a:t>
+              <a:t>2/28/2023</a:t>
             </a:fld>
             <a:endParaRPr lang="en-US"/>
           </a:p>
@@ -3062,15 +3062,7 @@
           <a:p>
             <a:r>
               <a:rPr lang="en-US" dirty="0" smtClean="0"/>
-              <a:t>Food Order Phase 1 </a:t>
-            </a:r>
-            <a:r>
-              <a:rPr lang="en-US" dirty="0" smtClean="0"/>
-              <a:t>deploy in AWS with </a:t>
-            </a:r>
-            <a:r>
-              <a:rPr lang="en-US" dirty="0" smtClean="0"/>
-              <a:t>Docker and </a:t>
+              <a:t>Food Order Phase 1 deploy in AWS with Docker and </a:t>
             </a:r>
             <a:r>
               <a:rPr lang="en-US" dirty="0" err="1" smtClean="0"/>
@@ -5652,8 +5644,12 @@
               <a:t> yum install </a:t>
             </a:r>
             <a:r>
-              <a:rPr lang="en-US" dirty="0" smtClean="0"/>
-              <a:t>Jenkins	(please enter y) if it ask. </a:t>
+              <a:rPr lang="en-US"/>
+              <a:t>jenkins</a:t>
+            </a:r>
+            <a:r>
+              <a:rPr lang="en-US" dirty="0" smtClean="0"/>
+              <a:t>	(please enter y) if it ask. </a:t>
             </a:r>
           </a:p>
           <a:p>
@@ -6045,7 +6041,19 @@
           <a:p>
             <a:r>
               <a:rPr lang="en-US" dirty="0" smtClean="0"/>
-              <a:t>After reboot please wait new minutes then reconnect </a:t>
+              <a:t>After reboot please </a:t>
+            </a:r>
+            <a:r>
+              <a:rPr lang="en-US" smtClean="0"/>
+              <a:t>wait </a:t>
+            </a:r>
+            <a:r>
+              <a:rPr lang="en-US" smtClean="0"/>
+              <a:t>few </a:t>
+            </a:r>
+            <a:r>
+              <a:rPr lang="en-US" dirty="0" smtClean="0"/>
+              <a:t>minutes then reconnect </a:t>
             </a:r>
           </a:p>
           <a:p>
